--- a/Presentations/10_Bug Smashers_End_Sem_Project_Presentation.pptx
+++ b/Presentations/10_Bug Smashers_End_Sem_Project_Presentation.pptx
@@ -278,8 +278,11 @@
     </a:lvl9pPr>
   </p:defaultTextStyle>
   <p:extLst>
+    <p:ext uri="{EFAFB233-063F-42B5-8137-9DF3F51BA10A}">
+      <p15:sldGuideLst xmlns:p15="http://schemas.microsoft.com/office/powerpoint/2012/main"/>
+    </p:ext>
     <p:ext uri="http://customooxmlschemas.google.com/">
-      <go:slidesCustomData xmlns:go="http://customooxmlschemas.google.com/" xmlns:ahyp="http://schemas.microsoft.com/office/drawing/2018/hyperlinkcolor" xmlns:p15="http://schemas.microsoft.com/office/powerpoint/2012/main" xmlns:p14="http://schemas.microsoft.com/office/powerpoint/2010/main" xmlns:com="http://schemas.openxmlformats.org/drawingml/2006/compatibility" xmlns:pvml="urn:schemas-microsoft-com:office:powerpoint" xmlns:v="urn:schemas-microsoft-com:vml" xmlns:o="urn:schemas-microsoft-com:office:office" xmlns:dgm="http://schemas.openxmlformats.org/drawingml/2006/diagram" xmlns:c="http://schemas.openxmlformats.org/drawingml/2006/chart" xmlns:mv="urn:schemas-microsoft-com:mac:vml" xmlns:mc="http://schemas.openxmlformats.org/markup-compatibility/2006" xmlns="" r:id="rId29" roundtripDataSignature="AMtx7mhqsbUt/i6ZSQhgLYPG+fYpL6hATg=="/>
+      <go:slidesCustomData xmlns="" xmlns:mc="http://schemas.openxmlformats.org/markup-compatibility/2006" xmlns:mv="urn:schemas-microsoft-com:mac:vml" xmlns:c="http://schemas.openxmlformats.org/drawingml/2006/chart" xmlns:dgm="http://schemas.openxmlformats.org/drawingml/2006/diagram" xmlns:o="urn:schemas-microsoft-com:office:office" xmlns:v="urn:schemas-microsoft-com:vml" xmlns:pvml="urn:schemas-microsoft-com:office:powerpoint" xmlns:com="http://schemas.openxmlformats.org/drawingml/2006/compatibility" xmlns:p14="http://schemas.microsoft.com/office/powerpoint/2010/main" xmlns:p15="http://schemas.microsoft.com/office/powerpoint/2012/main" xmlns:ahyp="http://schemas.microsoft.com/office/drawing/2018/hyperlinkcolor" xmlns:go="http://customooxmlschemas.google.com/" r:id="rId29" roundtripDataSignature="AMtx7mhqsbUt/i6ZSQhgLYPG+fYpL6hATg=="/>
     </p:ext>
   </p:extLst>
 </p:presentation>
@@ -2219,8 +2222,8 @@
         </p:nvSpPr>
         <p:spPr>
           <a:xfrm>
-            <a:off x="1143225" y="685800"/>
-            <a:ext cx="4572300" cy="3429000"/>
+            <a:off x="381000" y="685800"/>
+            <a:ext cx="6096000" cy="3429000"/>
           </a:xfrm>
           <a:custGeom>
             <a:avLst/>
@@ -2341,8 +2344,8 @@
         </p:nvSpPr>
         <p:spPr>
           <a:xfrm>
-            <a:off x="1143225" y="685800"/>
-            <a:ext cx="4572300" cy="3429000"/>
+            <a:off x="381000" y="685800"/>
+            <a:ext cx="6096000" cy="3429000"/>
           </a:xfrm>
           <a:custGeom>
             <a:avLst/>
@@ -21859,15 +21862,24 @@
                 <a:buChar char="●"/>
               </a:pPr>
               <a:r>
+                <a:rPr lang="en-IN" sz="1600" dirty="0">
+                  <a:latin typeface="Roboto"/>
+                  <a:ea typeface="Roboto"/>
+                  <a:cs typeface="Roboto"/>
+                  <a:sym typeface="Roboto"/>
+                </a:rPr>
+                <a:t>Before PCA was applied </a:t>
+              </a:r>
+              <a:r>
                 <a:rPr lang="en-IN" sz="1600">
                   <a:latin typeface="Roboto"/>
                   <a:ea typeface="Roboto"/>
                   <a:cs typeface="Roboto"/>
                   <a:sym typeface="Roboto"/>
                 </a:rPr>
-                <a:t>Before PCA applied accuracy were</a:t>
+                <a:t>the accuracies were</a:t>
               </a:r>
-              <a:endParaRPr sz="1600">
+              <a:endParaRPr sz="1600" dirty="0">
                 <a:latin typeface="Roboto"/>
                 <a:ea typeface="Roboto"/>
                 <a:cs typeface="Roboto"/>
@@ -21884,7 +21896,7 @@
                 </a:spcAft>
                 <a:buNone/>
               </a:pPr>
-              <a:endParaRPr sz="1600">
+              <a:endParaRPr sz="1600" dirty="0">
                 <a:latin typeface="Roboto"/>
                 <a:ea typeface="Roboto"/>
                 <a:cs typeface="Roboto"/>
@@ -21904,7 +21916,7 @@
                 <a:buAutoNum type="arabicParenR"/>
               </a:pPr>
               <a:r>
-                <a:rPr lang="en-IN" sz="1600">
+                <a:rPr lang="en-IN" sz="1600" dirty="0">
                   <a:latin typeface="Roboto"/>
                   <a:ea typeface="Roboto"/>
                   <a:cs typeface="Roboto"/>
@@ -21912,7 +21924,7 @@
                 </a:rPr>
                 <a:t>Best case scenario is SVM - 72.67%</a:t>
               </a:r>
-              <a:endParaRPr sz="1600">
+              <a:endParaRPr sz="1600" dirty="0">
                 <a:latin typeface="Roboto"/>
                 <a:ea typeface="Roboto"/>
                 <a:cs typeface="Roboto"/>
@@ -21932,7 +21944,7 @@
                 <a:buAutoNum type="arabicParenR"/>
               </a:pPr>
               <a:r>
-                <a:rPr lang="en-IN" sz="1600">
+                <a:rPr lang="en-IN" sz="1600" dirty="0">
                   <a:latin typeface="Roboto"/>
                   <a:ea typeface="Roboto"/>
                   <a:cs typeface="Roboto"/>
@@ -21940,7 +21952,7 @@
                 </a:rPr>
                 <a:t>Worst case scenario is Decision Tree - 70.63%</a:t>
               </a:r>
-              <a:endParaRPr sz="1600">
+              <a:endParaRPr sz="1600" dirty="0">
                 <a:latin typeface="Roboto"/>
                 <a:ea typeface="Roboto"/>
                 <a:cs typeface="Roboto"/>
@@ -21957,7 +21969,7 @@
                 </a:spcAft>
                 <a:buNone/>
               </a:pPr>
-              <a:endParaRPr sz="1600">
+              <a:endParaRPr sz="1600" dirty="0">
                 <a:latin typeface="Roboto"/>
                 <a:ea typeface="Roboto"/>
                 <a:cs typeface="Roboto"/>
@@ -22215,7 +22227,7 @@
         </p:nvGraphicFramePr>
         <p:xfrm>
           <a:off x="1092200" y="1658775"/>
-          <a:ext cx="3000000" cy="3000000"/>
+          <a:ext cx="10007700" cy="4682250"/>
         </p:xfrm>
         <a:graphic>
           <a:graphicData uri="http://schemas.openxmlformats.org/drawingml/2006/table">
